--- a/assets/televerssements/Amine NAKHIL.pptx
+++ b/assets/televerssements/Amine NAKHIL.pptx
@@ -2986,7 +2986,7 @@
           <a:p>
             <a:fld id="{4AAD347D-5ACD-4C99-B74B-A9C85AD731AF}" type="datetimeFigureOut">
               <a:rPr lang="en-US" smtClean="0"/>
-              <a:t>2/5/2021</a:t>
+              <a:t>4/12/2021</a:t>
             </a:fld>
             <a:endParaRPr lang="en-US" dirty="0"/>
           </a:p>
@@ -3261,7 +3261,7 @@
           <a:p>
             <a:fld id="{4509A250-FF31-4206-8172-F9D3106AACB1}" type="datetimeFigureOut">
               <a:rPr lang="en-US" smtClean="0"/>
-              <a:t>2/5/2021</a:t>
+              <a:t>4/12/2021</a:t>
             </a:fld>
             <a:endParaRPr lang="en-US" dirty="0"/>
           </a:p>
@@ -3455,7 +3455,7 @@
           <a:p>
             <a:fld id="{4509A250-FF31-4206-8172-F9D3106AACB1}" type="datetimeFigureOut">
               <a:rPr lang="en-US" smtClean="0"/>
-              <a:t>2/5/2021</a:t>
+              <a:t>4/12/2021</a:t>
             </a:fld>
             <a:endParaRPr lang="en-US" dirty="0"/>
           </a:p>
@@ -3723,7 +3723,7 @@
           <a:p>
             <a:fld id="{4509A250-FF31-4206-8172-F9D3106AACB1}" type="datetimeFigureOut">
               <a:rPr lang="en-US" smtClean="0"/>
-              <a:t>2/5/2021</a:t>
+              <a:t>4/12/2021</a:t>
             </a:fld>
             <a:endParaRPr lang="en-US" dirty="0"/>
           </a:p>
@@ -4055,7 +4055,7 @@
           <a:p>
             <a:fld id="{4509A250-FF31-4206-8172-F9D3106AACB1}" type="datetimeFigureOut">
               <a:rPr lang="en-US" smtClean="0"/>
-              <a:t>2/5/2021</a:t>
+              <a:t>4/12/2021</a:t>
             </a:fld>
             <a:endParaRPr lang="en-US" dirty="0"/>
           </a:p>
@@ -4665,7 +4665,7 @@
           <a:p>
             <a:fld id="{4509A250-FF31-4206-8172-F9D3106AACB1}" type="datetimeFigureOut">
               <a:rPr lang="en-US" smtClean="0"/>
-              <a:t>2/5/2021</a:t>
+              <a:t>4/12/2021</a:t>
             </a:fld>
             <a:endParaRPr lang="en-US" dirty="0"/>
           </a:p>
@@ -5512,7 +5512,7 @@
           <a:p>
             <a:fld id="{4509A250-FF31-4206-8172-F9D3106AACB1}" type="datetimeFigureOut">
               <a:rPr lang="en-US" smtClean="0"/>
-              <a:t>2/5/2021</a:t>
+              <a:t>4/12/2021</a:t>
             </a:fld>
             <a:endParaRPr lang="en-US" dirty="0"/>
           </a:p>
@@ -5682,7 +5682,7 @@
           <a:p>
             <a:fld id="{4509A250-FF31-4206-8172-F9D3106AACB1}" type="datetimeFigureOut">
               <a:rPr lang="en-US" smtClean="0"/>
-              <a:t>2/5/2021</a:t>
+              <a:t>4/12/2021</a:t>
             </a:fld>
             <a:endParaRPr lang="en-US" dirty="0"/>
           </a:p>
@@ -5862,7 +5862,7 @@
           <a:p>
             <a:fld id="{4509A250-FF31-4206-8172-F9D3106AACB1}" type="datetimeFigureOut">
               <a:rPr lang="en-US" smtClean="0"/>
-              <a:t>2/5/2021</a:t>
+              <a:t>4/12/2021</a:t>
             </a:fld>
             <a:endParaRPr lang="en-US" dirty="0"/>
           </a:p>
@@ -6032,7 +6032,7 @@
           <a:p>
             <a:fld id="{4509A250-FF31-4206-8172-F9D3106AACB1}" type="datetimeFigureOut">
               <a:rPr lang="en-US" smtClean="0"/>
-              <a:t>2/5/2021</a:t>
+              <a:t>4/12/2021</a:t>
             </a:fld>
             <a:endParaRPr lang="en-US" dirty="0"/>
           </a:p>
@@ -6276,7 +6276,7 @@
           <a:p>
             <a:fld id="{9796027F-7875-4030-9381-8BD8C4F21935}" type="datetimeFigureOut">
               <a:rPr lang="en-US" smtClean="0"/>
-              <a:t>2/5/2021</a:t>
+              <a:t>4/12/2021</a:t>
             </a:fld>
             <a:endParaRPr lang="en-US" dirty="0"/>
           </a:p>
@@ -6568,7 +6568,7 @@
           <a:p>
             <a:fld id="{9796027F-7875-4030-9381-8BD8C4F21935}" type="datetimeFigureOut">
               <a:rPr lang="en-US" smtClean="0"/>
-              <a:t>2/5/2021</a:t>
+              <a:t>4/12/2021</a:t>
             </a:fld>
             <a:endParaRPr lang="en-US" dirty="0"/>
           </a:p>
@@ -7006,7 +7006,7 @@
           <a:p>
             <a:fld id="{9796027F-7875-4030-9381-8BD8C4F21935}" type="datetimeFigureOut">
               <a:rPr lang="en-US" smtClean="0"/>
-              <a:t>2/5/2021</a:t>
+              <a:t>4/12/2021</a:t>
             </a:fld>
             <a:endParaRPr lang="en-US" dirty="0"/>
           </a:p>
@@ -7124,7 +7124,7 @@
           <a:p>
             <a:fld id="{4509A250-FF31-4206-8172-F9D3106AACB1}" type="datetimeFigureOut">
               <a:rPr lang="en-US" smtClean="0"/>
-              <a:t>2/5/2021</a:t>
+              <a:t>4/12/2021</a:t>
             </a:fld>
             <a:endParaRPr lang="en-US" dirty="0"/>
           </a:p>
@@ -7219,7 +7219,7 @@
           <a:p>
             <a:fld id="{4509A250-FF31-4206-8172-F9D3106AACB1}" type="datetimeFigureOut">
               <a:rPr lang="en-US" smtClean="0"/>
-              <a:t>2/5/2021</a:t>
+              <a:t>4/12/2021</a:t>
             </a:fld>
             <a:endParaRPr lang="en-US" dirty="0"/>
           </a:p>
@@ -7498,7 +7498,7 @@
           <a:p>
             <a:fld id="{4509A250-FF31-4206-8172-F9D3106AACB1}" type="datetimeFigureOut">
               <a:rPr lang="en-US" smtClean="0"/>
-              <a:t>2/5/2021</a:t>
+              <a:t>4/12/2021</a:t>
             </a:fld>
             <a:endParaRPr lang="en-US" dirty="0"/>
           </a:p>
@@ -7773,7 +7773,7 @@
           <a:p>
             <a:fld id="{4509A250-FF31-4206-8172-F9D3106AACB1}" type="datetimeFigureOut">
               <a:rPr lang="en-US" smtClean="0"/>
-              <a:t>2/5/2021</a:t>
+              <a:t>4/12/2021</a:t>
             </a:fld>
             <a:endParaRPr lang="en-US" dirty="0"/>
           </a:p>
@@ -8202,7 +8202,7 @@
           <a:p>
             <a:fld id="{4AAD347D-5ACD-4C99-B74B-A9C85AD731AF}" type="datetimeFigureOut">
               <a:rPr lang="en-US" smtClean="0"/>
-              <a:t>2/5/2021</a:t>
+              <a:t>4/12/2021</a:t>
             </a:fld>
             <a:endParaRPr lang="en-US" dirty="0"/>
           </a:p>
@@ -9182,20 +9182,20 @@
           <a:p>
             <a:r>
               <a:rPr lang="en-US" dirty="0" err="1"/>
-              <a:t>Parcour</a:t>
+              <a:t>Parcours</a:t>
             </a:r>
-            <a:endParaRPr lang="en-US"/>
+            <a:endParaRPr lang="en-US" dirty="0"/>
           </a:p>
           <a:p>
             <a:r>
-              <a:rPr lang="en-US"/>
+              <a:rPr lang="en-US" dirty="0"/>
               <a:t>Competences </a:t>
             </a:r>
             <a:r>
-              <a:rPr lang="en-US" err="1"/>
+              <a:rPr lang="en-US" dirty="0" err="1"/>
               <a:t>acquises</a:t>
             </a:r>
-            <a:endParaRPr lang="en-US"/>
+            <a:endParaRPr lang="en-US" dirty="0"/>
           </a:p>
           <a:p>
             <a:r>
@@ -9212,7 +9212,6 @@
               <a:rPr lang="en-US" dirty="0"/>
               <a:t>Portfolio</a:t>
             </a:r>
-            <a:endParaRPr lang="en-US"/>
           </a:p>
         </p:txBody>
       </p:sp>
@@ -9707,14 +9706,14 @@
           <a:lstStyle/>
           <a:p>
             <a:r>
-              <a:rPr lang="en-US" err="1">
+              <a:rPr lang="en-US" dirty="0" err="1">
                 <a:solidFill>
                   <a:srgbClr val="FF0000"/>
                 </a:solidFill>
               </a:rPr>
-              <a:t>Parcour</a:t>
+              <a:t>Parcours</a:t>
             </a:r>
-            <a:endParaRPr lang="en-US">
+            <a:endParaRPr lang="en-US" dirty="0">
               <a:solidFill>
                 <a:srgbClr val="FF0000"/>
               </a:solidFill>
@@ -12294,35 +12293,6 @@
           </a:fontRef>
         </p:style>
       </p:sp>
-      <p:pic>
-        <p:nvPicPr>
-          <p:cNvPr id="5" name="Image 4">
-            <a:extLst>
-              <a:ext uri="{FF2B5EF4-FFF2-40B4-BE49-F238E27FC236}">
-                <a16:creationId xmlns:a16="http://schemas.microsoft.com/office/drawing/2014/main" id="{120C4F59-F6BD-4779-8F44-3708ECBA55A4}"/>
-              </a:ext>
-            </a:extLst>
-          </p:cNvPr>
-          <p:cNvPicPr>
-            <a:picLocks noChangeAspect="1"/>
-          </p:cNvPicPr>
-          <p:nvPr/>
-        </p:nvPicPr>
-        <p:blipFill rotWithShape="1">
-          <a:blip r:embed="rId4"/>
-          <a:srcRect l="9879" r="6200"/>
-          <a:stretch/>
-        </p:blipFill>
-        <p:spPr>
-          <a:xfrm>
-            <a:off x="5553492" y="1996917"/>
-            <a:ext cx="6269913" cy="3612262"/>
-          </a:xfrm>
-          <a:prstGeom prst="rect">
-            <a:avLst/>
-          </a:prstGeom>
-        </p:spPr>
-      </p:pic>
     </p:spTree>
     <p:extLst>
       <p:ext uri="{BB962C8B-B14F-4D97-AF65-F5344CB8AC3E}">

--- a/assets/televerssements/Amine NAKHIL.pptx
+++ b/assets/televerssements/Amine NAKHIL.pptx
@@ -12293,6 +12293,36 @@
           </a:fontRef>
         </p:style>
       </p:sp>
+      <p:pic>
+        <p:nvPicPr>
+          <p:cNvPr id="4" name="Image 3">
+            <a:extLst>
+              <a:ext uri="{FF2B5EF4-FFF2-40B4-BE49-F238E27FC236}">
+                <a16:creationId xmlns:a16="http://schemas.microsoft.com/office/drawing/2014/main" id="{AC4963E8-AE35-4E89-AE89-A0CD5D0225C9}"/>
+              </a:ext>
+            </a:extLst>
+          </p:cNvPr>
+          <p:cNvPicPr>
+            <a:picLocks noChangeAspect="1"/>
+          </p:cNvPicPr>
+          <p:nvPr/>
+        </p:nvPicPr>
+        <p:blipFill>
+          <a:blip r:embed="rId4"/>
+          <a:stretch>
+            <a:fillRect/>
+          </a:stretch>
+        </p:blipFill>
+        <p:spPr>
+          <a:xfrm>
+            <a:off x="0" y="333375"/>
+            <a:ext cx="12192000" cy="6191250"/>
+          </a:xfrm>
+          <a:prstGeom prst="rect">
+            <a:avLst/>
+          </a:prstGeom>
+        </p:spPr>
+      </p:pic>
     </p:spTree>
     <p:extLst>
       <p:ext uri="{BB962C8B-B14F-4D97-AF65-F5344CB8AC3E}">

--- a/assets/televerssements/Amine NAKHIL.pptx
+++ b/assets/televerssements/Amine NAKHIL.pptx
@@ -12315,8 +12315,8 @@
         </p:blipFill>
         <p:spPr>
           <a:xfrm>
-            <a:off x="0" y="333375"/>
-            <a:ext cx="12192000" cy="6191250"/>
+            <a:off x="4009403" y="1982280"/>
+            <a:ext cx="7948681" cy="4036440"/>
           </a:xfrm>
           <a:prstGeom prst="rect">
             <a:avLst/>

--- a/assets/televerssements/Amine NAKHIL.pptx
+++ b/assets/televerssements/Amine NAKHIL.pptx
@@ -10476,7 +10476,7 @@
           <a:lstStyle/>
           <a:p>
             <a:r>
-              <a:rPr lang="en-US" err="1">
+              <a:rPr lang="en-US" dirty="0" err="1">
                 <a:solidFill>
                   <a:srgbClr val="FF0000"/>
                 </a:solidFill>
@@ -10492,14 +10492,14 @@
               <a:t> </a:t>
             </a:r>
             <a:r>
-              <a:rPr lang="en-US" err="1">
+              <a:rPr lang="en-US" dirty="0" err="1">
                 <a:solidFill>
                   <a:srgbClr val="FF0000"/>
                 </a:solidFill>
               </a:rPr>
               <a:t>acquises</a:t>
             </a:r>
-            <a:endParaRPr lang="en-US">
+            <a:endParaRPr lang="en-US" dirty="0">
               <a:solidFill>
                 <a:srgbClr val="FF0000"/>
               </a:solidFill>
@@ -10545,42 +10545,6 @@
       </p:pic>
       <p:pic>
         <p:nvPicPr>
-          <p:cNvPr id="8" name="Picture 8">
-            <a:extLst>
-              <a:ext uri="{FF2B5EF4-FFF2-40B4-BE49-F238E27FC236}">
-                <a16:creationId xmlns:a16="http://schemas.microsoft.com/office/drawing/2014/main" id="{DEFDDDE7-9E91-4B54-809B-70381F499C91}"/>
-              </a:ext>
-            </a:extLst>
-          </p:cNvPr>
-          <p:cNvPicPr>
-            <a:picLocks noChangeAspect="1"/>
-          </p:cNvPicPr>
-          <p:nvPr/>
-        </p:nvPicPr>
-        <p:blipFill rotWithShape="1">
-          <a:blip r:embed="rId4"/>
-          <a:srcRect l="16411" r="17896" b="-1"/>
-          <a:stretch/>
-        </p:blipFill>
-        <p:spPr>
-          <a:xfrm>
-            <a:off x="3421782" y="2052916"/>
-            <a:ext cx="2672628" cy="2044401"/>
-          </a:xfrm>
-          <a:prstGeom prst="rect">
-            <a:avLst/>
-          </a:prstGeom>
-          <a:effectLst>
-            <a:outerShdw blurRad="50800" dist="38100" dir="5400000" algn="t" rotWithShape="0">
-              <a:prstClr val="black">
-                <a:alpha val="43000"/>
-              </a:prstClr>
-            </a:outerShdw>
-          </a:effectLst>
-        </p:spPr>
-      </p:pic>
-      <p:pic>
-        <p:nvPicPr>
           <p:cNvPr id="6" name="Picture 6">
             <a:extLst>
               <a:ext uri="{FF2B5EF4-FFF2-40B4-BE49-F238E27FC236}">
@@ -10594,7 +10558,7 @@
           <p:nvPr/>
         </p:nvPicPr>
         <p:blipFill rotWithShape="1">
-          <a:blip r:embed="rId5"/>
+          <a:blip r:embed="rId4"/>
           <a:srcRect t="7370" r="-4" b="3995"/>
           <a:stretch/>
         </p:blipFill>
@@ -10630,7 +10594,7 @@
           <p:nvPr/>
         </p:nvPicPr>
         <p:blipFill rotWithShape="1">
-          <a:blip r:embed="rId6"/>
+          <a:blip r:embed="rId5"/>
           <a:srcRect l="27929" r="20107" b="1"/>
           <a:stretch/>
         </p:blipFill>
@@ -10675,36 +10639,55 @@
         </p:spPr>
         <p:txBody>
           <a:bodyPr vert="horz" lIns="91440" tIns="45720" rIns="91440" bIns="45720" rtlCol="0">
-            <a:normAutofit/>
+            <a:normAutofit lnSpcReduction="10000"/>
           </a:bodyPr>
           <a:lstStyle/>
           <a:p>
             <a:r>
-              <a:rPr lang="en-US"/>
-              <a:t>Autonomie</a:t>
-            </a:r>
-          </a:p>
-          <a:p>
-            <a:r>
-              <a:rPr lang="en-US"/>
+              <a:rPr lang="fr-FR" dirty="0"/>
+              <a:t>Disposer de compétences relationnelles pour la mise en </a:t>
+            </a:r>
+            <a:r>
+              <a:rPr lang="fr-FR" dirty="0" err="1"/>
+              <a:t>oeuvre</a:t>
+            </a:r>
+            <a:r>
+              <a:rPr lang="fr-FR" dirty="0"/>
+              <a:t> de solutions techniques en relation avec les besoins d'entreprises clientes</a:t>
+            </a:r>
+            <a:endParaRPr lang="en-US" dirty="0"/>
+          </a:p>
+          <a:p>
+            <a:r>
+              <a:rPr lang="en-US" dirty="0" err="1"/>
               <a:t>Priorisation</a:t>
             </a:r>
-          </a:p>
-          <a:p>
-            <a:r>
-              <a:rPr lang="en-US"/>
-              <a:t>Capacité d'initiative</a:t>
-            </a:r>
-          </a:p>
-          <a:p>
-            <a:r>
-              <a:rPr lang="en-US"/>
+            <a:endParaRPr lang="en-US" dirty="0"/>
+          </a:p>
+          <a:p>
+            <a:r>
+              <a:rPr lang="en-US" dirty="0" err="1"/>
+              <a:t>Capacité</a:t>
+            </a:r>
+            <a:r>
+              <a:rPr lang="en-US" dirty="0"/>
+              <a:t> </a:t>
+            </a:r>
+            <a:r>
+              <a:rPr lang="en-US" dirty="0" err="1"/>
+              <a:t>d'initiative</a:t>
+            </a:r>
+            <a:endParaRPr lang="en-US" dirty="0"/>
+          </a:p>
+          <a:p>
+            <a:r>
+              <a:rPr lang="en-US" dirty="0"/>
               <a:t>Rigueur</a:t>
             </a:r>
           </a:p>
           <a:p>
             <a:r>
-              <a:rPr lang="en-US">
+              <a:rPr lang="en-US" dirty="0" err="1">
                 <a:ea typeface="+mj-lt"/>
                 <a:cs typeface="+mj-lt"/>
               </a:rPr>
@@ -12307,16 +12290,15 @@
           </p:cNvPicPr>
           <p:nvPr/>
         </p:nvPicPr>
-        <p:blipFill>
+        <p:blipFill rotWithShape="1">
           <a:blip r:embed="rId4"/>
-          <a:stretch>
-            <a:fillRect/>
-          </a:stretch>
+          <a:srcRect t="675"/>
+          <a:stretch/>
         </p:blipFill>
         <p:spPr>
           <a:xfrm>
-            <a:off x="4009403" y="1982280"/>
-            <a:ext cx="7948681" cy="4036440"/>
+            <a:off x="4009403" y="2009552"/>
+            <a:ext cx="7948681" cy="4009167"/>
           </a:xfrm>
           <a:prstGeom prst="rect">
             <a:avLst/>

--- a/assets/televerssements/Amine NAKHIL.pptx
+++ b/assets/televerssements/Amine NAKHIL.pptx
@@ -10509,42 +10509,6 @@
       </p:sp>
       <p:pic>
         <p:nvPicPr>
-          <p:cNvPr id="5" name="Picture 5">
-            <a:extLst>
-              <a:ext uri="{FF2B5EF4-FFF2-40B4-BE49-F238E27FC236}">
-                <a16:creationId xmlns:a16="http://schemas.microsoft.com/office/drawing/2014/main" id="{ADE98B98-45DB-45B2-AA81-04BAF0021E7F}"/>
-              </a:ext>
-            </a:extLst>
-          </p:cNvPr>
-          <p:cNvPicPr>
-            <a:picLocks noChangeAspect="1"/>
-          </p:cNvPicPr>
-          <p:nvPr/>
-        </p:nvPicPr>
-        <p:blipFill rotWithShape="1">
-          <a:blip r:embed="rId3"/>
-          <a:srcRect t="9763" b="13691"/>
-          <a:stretch/>
-        </p:blipFill>
-        <p:spPr>
-          <a:xfrm>
-            <a:off x="646111" y="2052917"/>
-            <a:ext cx="2670808" cy="2044399"/>
-          </a:xfrm>
-          <a:prstGeom prst="rect">
-            <a:avLst/>
-          </a:prstGeom>
-          <a:effectLst>
-            <a:outerShdw blurRad="50800" dist="38100" dir="5400000" algn="t" rotWithShape="0">
-              <a:prstClr val="black">
-                <a:alpha val="43000"/>
-              </a:prstClr>
-            </a:outerShdw>
-          </a:effectLst>
-        </p:spPr>
-      </p:pic>
-      <p:pic>
-        <p:nvPicPr>
           <p:cNvPr id="6" name="Picture 6">
             <a:extLst>
               <a:ext uri="{FF2B5EF4-FFF2-40B4-BE49-F238E27FC236}">
@@ -10558,7 +10522,7 @@
           <p:nvPr/>
         </p:nvPicPr>
         <p:blipFill rotWithShape="1">
-          <a:blip r:embed="rId4"/>
+          <a:blip r:embed="rId3"/>
           <a:srcRect t="7370" r="-4" b="3995"/>
           <a:stretch/>
         </p:blipFill>
@@ -10594,7 +10558,7 @@
           <p:nvPr/>
         </p:nvPicPr>
         <p:blipFill rotWithShape="1">
-          <a:blip r:embed="rId5"/>
+          <a:blip r:embed="rId4"/>
           <a:srcRect l="27929" r="20107" b="1"/>
           <a:stretch/>
         </p:blipFill>

--- a/assets/televerssements/Amine NAKHIL.pptx
+++ b/assets/televerssements/Amine NAKHIL.pptx
@@ -10543,42 +10543,6 @@
           </a:effectLst>
         </p:spPr>
       </p:pic>
-      <p:pic>
-        <p:nvPicPr>
-          <p:cNvPr id="7" name="Picture 7">
-            <a:extLst>
-              <a:ext uri="{FF2B5EF4-FFF2-40B4-BE49-F238E27FC236}">
-                <a16:creationId xmlns:a16="http://schemas.microsoft.com/office/drawing/2014/main" id="{5515ADEB-AFD0-4412-B07E-C0EF3A342A19}"/>
-              </a:ext>
-            </a:extLst>
-          </p:cNvPr>
-          <p:cNvPicPr>
-            <a:picLocks noChangeAspect="1"/>
-          </p:cNvPicPr>
-          <p:nvPr/>
-        </p:nvPicPr>
-        <p:blipFill rotWithShape="1">
-          <a:blip r:embed="rId4"/>
-          <a:srcRect l="27929" r="20107" b="1"/>
-          <a:stretch/>
-        </p:blipFill>
-        <p:spPr>
-          <a:xfrm>
-            <a:off x="3423601" y="4203997"/>
-            <a:ext cx="2672628" cy="2044401"/>
-          </a:xfrm>
-          <a:prstGeom prst="rect">
-            <a:avLst/>
-          </a:prstGeom>
-          <a:effectLst>
-            <a:outerShdw blurRad="50800" dist="38100" dir="5400000" algn="t" rotWithShape="0">
-              <a:prstClr val="black">
-                <a:alpha val="43000"/>
-              </a:prstClr>
-            </a:outerShdw>
-          </a:effectLst>
-        </p:spPr>
-      </p:pic>
       <p:sp>
         <p:nvSpPr>
           <p:cNvPr id="3" name="Content Placeholder 2">

--- a/assets/televerssements/Amine NAKHIL.pptx
+++ b/assets/televerssements/Amine NAKHIL.pptx
@@ -10507,42 +10507,6 @@
           </a:p>
         </p:txBody>
       </p:sp>
-      <p:pic>
-        <p:nvPicPr>
-          <p:cNvPr id="6" name="Picture 6">
-            <a:extLst>
-              <a:ext uri="{FF2B5EF4-FFF2-40B4-BE49-F238E27FC236}">
-                <a16:creationId xmlns:a16="http://schemas.microsoft.com/office/drawing/2014/main" id="{1344A36A-D8D9-4688-A816-55C41D46FBFD}"/>
-              </a:ext>
-            </a:extLst>
-          </p:cNvPr>
-          <p:cNvPicPr>
-            <a:picLocks noChangeAspect="1"/>
-          </p:cNvPicPr>
-          <p:nvPr/>
-        </p:nvPicPr>
-        <p:blipFill rotWithShape="1">
-          <a:blip r:embed="rId3"/>
-          <a:srcRect t="7370" r="-4" b="3995"/>
-          <a:stretch/>
-        </p:blipFill>
-        <p:spPr>
-          <a:xfrm>
-            <a:off x="646111" y="4203998"/>
-            <a:ext cx="2670808" cy="2044399"/>
-          </a:xfrm>
-          <a:prstGeom prst="rect">
-            <a:avLst/>
-          </a:prstGeom>
-          <a:effectLst>
-            <a:outerShdw blurRad="50800" dist="38100" dir="5400000" algn="t" rotWithShape="0">
-              <a:prstClr val="black">
-                <a:alpha val="43000"/>
-              </a:prstClr>
-            </a:outerShdw>
-          </a:effectLst>
-        </p:spPr>
-      </p:pic>
       <p:sp>
         <p:nvSpPr>
           <p:cNvPr id="3" name="Content Placeholder 2">

--- a/assets/televerssements/Amine NAKHIL.pptx
+++ b/assets/televerssements/Amine NAKHIL.pptx
@@ -10525,41 +10525,50 @@
         </p:nvSpPr>
         <p:spPr>
           <a:xfrm>
-            <a:off x="6743635" y="2052918"/>
-            <a:ext cx="3306218" cy="4195481"/>
+            <a:off x="646111" y="1853248"/>
+            <a:ext cx="10007712" cy="4195481"/>
           </a:xfrm>
         </p:spPr>
         <p:txBody>
           <a:bodyPr vert="horz" lIns="91440" tIns="45720" rIns="91440" bIns="45720" rtlCol="0">
-            <a:normAutofit lnSpcReduction="10000"/>
+            <a:normAutofit/>
           </a:bodyPr>
           <a:lstStyle/>
           <a:p>
             <a:r>
               <a:rPr lang="fr-FR" dirty="0"/>
-              <a:t>Disposer de compétences relationnelles pour la mise en </a:t>
-            </a:r>
-            <a:r>
-              <a:rPr lang="fr-FR" dirty="0" err="1"/>
-              <a:t>oeuvre</a:t>
-            </a:r>
+              <a:t>Disposer de compétences relationnelles pour la mise en œuvre de solutions techniques en relation avec les besoins d'entreprises clientes</a:t>
+            </a:r>
+          </a:p>
+          <a:p>
+            <a:endParaRPr lang="en-US" dirty="0"/>
+          </a:p>
+          <a:p>
             <a:r>
               <a:rPr lang="fr-FR" dirty="0"/>
-              <a:t> de solutions techniques en relation avec les besoins d'entreprises clientes</a:t>
-            </a:r>
+              <a:t>Disposer de capacités d'organisation et d'autonomie</a:t>
+            </a:r>
+          </a:p>
+          <a:p>
             <a:endParaRPr lang="en-US" dirty="0"/>
           </a:p>
           <a:p>
             <a:r>
+              <a:rPr lang="fr-FR" dirty="0"/>
+              <a:t>Le choix des solutions techniques répondant adéquatement aux besoins de l’entreprise</a:t>
+            </a:r>
+          </a:p>
+          <a:p>
+            <a:endParaRPr lang="en-US" dirty="0"/>
+          </a:p>
+          <a:p>
+            <a:r>
+              <a:rPr lang="en-US" dirty="0"/>
+              <a:t>La definition d’un cahier des charges pregnant </a:t>
+            </a:r>
+            <a:r>
               <a:rPr lang="en-US" dirty="0" err="1"/>
-              <a:t>Priorisation</a:t>
-            </a:r>
-            <a:endParaRPr lang="en-US" dirty="0"/>
-          </a:p>
-          <a:p>
-            <a:r>
-              <a:rPr lang="en-US" dirty="0" err="1"/>
-              <a:t>Capacité</a:t>
+              <a:t>en</a:t>
             </a:r>
             <a:r>
               <a:rPr lang="en-US" dirty="0"/>
@@ -10567,25 +10576,28 @@
             </a:r>
             <a:r>
               <a:rPr lang="en-US" dirty="0" err="1"/>
-              <a:t>d'initiative</a:t>
-            </a:r>
-            <a:endParaRPr lang="en-US" dirty="0"/>
-          </a:p>
-          <a:p>
+              <a:t>compte</a:t>
+            </a:r>
             <a:r>
               <a:rPr lang="en-US" dirty="0"/>
-              <a:t>Rigueur</a:t>
-            </a:r>
-          </a:p>
-          <a:p>
-            <a:r>
-              <a:rPr lang="en-US" dirty="0" err="1">
-                <a:ea typeface="+mj-lt"/>
-                <a:cs typeface="+mj-lt"/>
-              </a:rPr>
-              <a:t>Communicativité</a:t>
-            </a:r>
-            <a:endParaRPr lang="en-US" dirty="0"/>
+              <a:t> le </a:t>
+            </a:r>
+            <a:r>
+              <a:rPr lang="en-US" dirty="0" err="1"/>
+              <a:t>besoin</a:t>
+            </a:r>
+            <a:r>
+              <a:rPr lang="en-US" dirty="0"/>
+              <a:t> de </a:t>
+            </a:r>
+            <a:r>
+              <a:rPr lang="en-US" dirty="0" err="1"/>
+              <a:t>l’utilisateur</a:t>
+            </a:r>
+            <a:r>
+              <a:rPr lang="en-US" dirty="0"/>
+              <a:t> et du client</a:t>
+            </a:r>
           </a:p>
         </p:txBody>
       </p:sp>
